--- a/Daily(written_in_Korean)/191029.pptx
+++ b/Daily(written_in_Korean)/191029.pptx
@@ -6367,152 +6367,173 @@
           </a:p>
         </p:txBody>
       </p:sp>
-      <p:pic>
-        <p:nvPicPr>
-          <p:cNvPr id="15" name="그림 14">
+      <p:grpSp>
+        <p:nvGrpSpPr>
+          <p:cNvPr id="23" name="그룹 22">
             <a:extLst>
               <a:ext uri="{FF2B5EF4-FFF2-40B4-BE49-F238E27FC236}">
-                <a16:creationId xmlns:a16="http://schemas.microsoft.com/office/drawing/2014/main" id="{2B19558D-BF88-4B9C-B8D1-6CA2EA0A15A4}"/>
+                <a16:creationId xmlns:a16="http://schemas.microsoft.com/office/drawing/2014/main" id="{8402393D-042C-4A67-82B3-AA65D3068F5D}"/>
               </a:ext>
             </a:extLst>
           </p:cNvPr>
-          <p:cNvPicPr>
-            <a:picLocks noChangeAspect="1"/>
-          </p:cNvPicPr>
+          <p:cNvGrpSpPr/>
           <p:nvPr/>
-        </p:nvPicPr>
-        <p:blipFill>
-          <a:blip r:embed="rId5"/>
-          <a:stretch>
-            <a:fillRect/>
-          </a:stretch>
-        </p:blipFill>
-        <p:spPr>
+        </p:nvGrpSpPr>
+        <p:grpSpPr>
           <a:xfrm>
-            <a:off x="7735314" y="3662362"/>
-            <a:ext cx="6924675" cy="466725"/>
+            <a:off x="7735314" y="2204864"/>
+            <a:ext cx="6924675" cy="1133504"/>
+            <a:chOff x="7735314" y="2995583"/>
+            <a:chExt cx="6924675" cy="1133504"/>
           </a:xfrm>
-          <a:prstGeom prst="rect">
-            <a:avLst/>
-          </a:prstGeom>
-        </p:spPr>
-      </p:pic>
-      <p:sp>
-        <p:nvSpPr>
-          <p:cNvPr id="16" name="직사각형 15">
-            <a:extLst>
-              <a:ext uri="{FF2B5EF4-FFF2-40B4-BE49-F238E27FC236}">
-                <a16:creationId xmlns:a16="http://schemas.microsoft.com/office/drawing/2014/main" id="{84936120-7121-48FA-BE96-FD74E375ABA8}"/>
-              </a:ext>
-            </a:extLst>
-          </p:cNvPr>
-          <p:cNvSpPr/>
-          <p:nvPr/>
-        </p:nvSpPr>
-        <p:spPr>
-          <a:xfrm>
-            <a:off x="10188624" y="3680842"/>
-            <a:ext cx="1008112" cy="324222"/>
-          </a:xfrm>
-          <a:prstGeom prst="rect">
-            <a:avLst/>
-          </a:prstGeom>
-          <a:noFill/>
-          <a:ln>
-            <a:solidFill>
-              <a:schemeClr val="tx1"/>
-            </a:solidFill>
-          </a:ln>
-        </p:spPr>
-        <p:txBody>
-          <a:bodyPr wrap="none" rtlCol="0" anchor="ctr">
-            <a:spAutoFit/>
-          </a:bodyPr>
-          <a:lstStyle/>
-          <a:p>
-            <a:pPr algn="ctr"/>
-            <a:endParaRPr lang="ko-KR" altLang="en-US" sz="1200" i="1">
+        </p:grpSpPr>
+        <p:pic>
+          <p:nvPicPr>
+            <p:cNvPr id="15" name="그림 14">
+              <a:extLst>
+                <a:ext uri="{FF2B5EF4-FFF2-40B4-BE49-F238E27FC236}">
+                  <a16:creationId xmlns:a16="http://schemas.microsoft.com/office/drawing/2014/main" id="{2B19558D-BF88-4B9C-B8D1-6CA2EA0A15A4}"/>
+                </a:ext>
+              </a:extLst>
+            </p:cNvPr>
+            <p:cNvPicPr>
+              <a:picLocks noChangeAspect="1"/>
+            </p:cNvPicPr>
+            <p:nvPr/>
+          </p:nvPicPr>
+          <p:blipFill>
+            <a:blip r:embed="rId5"/>
+            <a:stretch>
+              <a:fillRect/>
+            </a:stretch>
+          </p:blipFill>
+          <p:spPr>
+            <a:xfrm>
+              <a:off x="7735314" y="3662362"/>
+              <a:ext cx="6924675" cy="466725"/>
+            </a:xfrm>
+            <a:prstGeom prst="rect">
+              <a:avLst/>
+            </a:prstGeom>
+          </p:spPr>
+        </p:pic>
+        <p:sp>
+          <p:nvSpPr>
+            <p:cNvPr id="16" name="직사각형 15">
+              <a:extLst>
+                <a:ext uri="{FF2B5EF4-FFF2-40B4-BE49-F238E27FC236}">
+                  <a16:creationId xmlns:a16="http://schemas.microsoft.com/office/drawing/2014/main" id="{84936120-7121-48FA-BE96-FD74E375ABA8}"/>
+                </a:ext>
+              </a:extLst>
+            </p:cNvPr>
+            <p:cNvSpPr/>
+            <p:nvPr/>
+          </p:nvSpPr>
+          <p:spPr>
+            <a:xfrm>
+              <a:off x="10188624" y="3680842"/>
+              <a:ext cx="1008112" cy="324222"/>
+            </a:xfrm>
+            <a:prstGeom prst="rect">
+              <a:avLst/>
+            </a:prstGeom>
+            <a:noFill/>
+            <a:ln>
               <a:solidFill>
-                <a:srgbClr val="FF0000"/>
+                <a:schemeClr val="tx1"/>
               </a:solidFill>
-              <a:latin typeface="Cambria Math" panose="02040503050406030204" pitchFamily="18" charset="0"/>
-            </a:endParaRPr>
-          </a:p>
-        </p:txBody>
-      </p:sp>
-      <p:cxnSp>
-        <p:nvCxnSpPr>
-          <p:cNvPr id="18" name="직선 화살표 연결선 17">
-            <a:extLst>
-              <a:ext uri="{FF2B5EF4-FFF2-40B4-BE49-F238E27FC236}">
-                <a16:creationId xmlns:a16="http://schemas.microsoft.com/office/drawing/2014/main" id="{F6ED9FFE-8963-4B9F-8AD5-5789C2EBA59A}"/>
-              </a:ext>
-            </a:extLst>
-          </p:cNvPr>
-          <p:cNvCxnSpPr>
-            <a:stCxn id="16" idx="0"/>
-          </p:cNvCxnSpPr>
-          <p:nvPr/>
-        </p:nvCxnSpPr>
-        <p:spPr bwMode="auto">
-          <a:xfrm flipV="1">
-            <a:off x="10692680" y="3429000"/>
-            <a:ext cx="0" cy="251842"/>
-          </a:xfrm>
-          <a:prstGeom prst="straightConnector1">
-            <a:avLst/>
-          </a:prstGeom>
-          <a:noFill/>
-          <a:ln w="28575" cap="flat" cmpd="sng" algn="ctr">
-            <a:solidFill>
-              <a:schemeClr val="tx1"/>
-            </a:solidFill>
-            <a:prstDash val="solid"/>
-            <a:round/>
-            <a:headEnd type="none" w="med" len="med"/>
-            <a:tailEnd type="triangle"/>
-          </a:ln>
-          <a:effectLst/>
-        </p:spPr>
-      </p:cxnSp>
-      <p:sp>
-        <p:nvSpPr>
-          <p:cNvPr id="19" name="TextBox 18">
-            <a:extLst>
-              <a:ext uri="{FF2B5EF4-FFF2-40B4-BE49-F238E27FC236}">
-                <a16:creationId xmlns:a16="http://schemas.microsoft.com/office/drawing/2014/main" id="{8E85062B-8C2E-414D-B7FD-1C35E36B6554}"/>
-              </a:ext>
-            </a:extLst>
-          </p:cNvPr>
-          <p:cNvSpPr txBox="1"/>
-          <p:nvPr/>
-        </p:nvSpPr>
-        <p:spPr bwMode="auto">
-          <a:xfrm>
-            <a:off x="10343866" y="2995583"/>
-            <a:ext cx="697627" cy="400110"/>
-          </a:xfrm>
-          <a:prstGeom prst="rect">
-            <a:avLst/>
-          </a:prstGeom>
-          <a:noFill/>
-          <a:ln>
+            </a:ln>
+          </p:spPr>
+          <p:txBody>
+            <a:bodyPr wrap="none" rtlCol="0" anchor="ctr">
+              <a:spAutoFit/>
+            </a:bodyPr>
+            <a:lstStyle/>
+            <a:p>
+              <a:pPr algn="ctr"/>
+              <a:endParaRPr lang="ko-KR" altLang="en-US" sz="1200" i="1">
+                <a:solidFill>
+                  <a:srgbClr val="FF0000"/>
+                </a:solidFill>
+                <a:latin typeface="Cambria Math" panose="02040503050406030204" pitchFamily="18" charset="0"/>
+              </a:endParaRPr>
+            </a:p>
+          </p:txBody>
+        </p:sp>
+        <p:cxnSp>
+          <p:nvCxnSpPr>
+            <p:cNvPr id="18" name="직선 화살표 연결선 17">
+              <a:extLst>
+                <a:ext uri="{FF2B5EF4-FFF2-40B4-BE49-F238E27FC236}">
+                  <a16:creationId xmlns:a16="http://schemas.microsoft.com/office/drawing/2014/main" id="{F6ED9FFE-8963-4B9F-8AD5-5789C2EBA59A}"/>
+                </a:ext>
+              </a:extLst>
+            </p:cNvPr>
+            <p:cNvCxnSpPr>
+              <a:stCxn id="16" idx="0"/>
+            </p:cNvCxnSpPr>
+            <p:nvPr/>
+          </p:nvCxnSpPr>
+          <p:spPr bwMode="auto">
+            <a:xfrm flipV="1">
+              <a:off x="10692680" y="3429000"/>
+              <a:ext cx="0" cy="251842"/>
+            </a:xfrm>
+            <a:prstGeom prst="straightConnector1">
+              <a:avLst/>
+            </a:prstGeom>
             <a:noFill/>
-          </a:ln>
-        </p:spPr>
-        <p:txBody>
-          <a:bodyPr wrap="none" rtlCol="0">
-            <a:spAutoFit/>
-          </a:bodyPr>
-          <a:lstStyle/>
-          <a:p>
-            <a:r>
-              <a:rPr lang="ko-KR" altLang="en-US" sz="2000" dirty="0"/>
-              <a:t>상수</a:t>
-            </a:r>
-          </a:p>
-        </p:txBody>
-      </p:sp>
+            <a:ln w="28575" cap="flat" cmpd="sng" algn="ctr">
+              <a:solidFill>
+                <a:schemeClr val="tx1"/>
+              </a:solidFill>
+              <a:prstDash val="solid"/>
+              <a:round/>
+              <a:headEnd type="none" w="med" len="med"/>
+              <a:tailEnd type="triangle"/>
+            </a:ln>
+            <a:effectLst/>
+          </p:spPr>
+        </p:cxnSp>
+        <p:sp>
+          <p:nvSpPr>
+            <p:cNvPr id="19" name="TextBox 18">
+              <a:extLst>
+                <a:ext uri="{FF2B5EF4-FFF2-40B4-BE49-F238E27FC236}">
+                  <a16:creationId xmlns:a16="http://schemas.microsoft.com/office/drawing/2014/main" id="{8E85062B-8C2E-414D-B7FD-1C35E36B6554}"/>
+                </a:ext>
+              </a:extLst>
+            </p:cNvPr>
+            <p:cNvSpPr txBox="1"/>
+            <p:nvPr/>
+          </p:nvSpPr>
+          <p:spPr bwMode="auto">
+            <a:xfrm>
+              <a:off x="10343866" y="2995583"/>
+              <a:ext cx="697627" cy="400110"/>
+            </a:xfrm>
+            <a:prstGeom prst="rect">
+              <a:avLst/>
+            </a:prstGeom>
+            <a:noFill/>
+            <a:ln>
+              <a:noFill/>
+            </a:ln>
+          </p:spPr>
+          <p:txBody>
+            <a:bodyPr wrap="none" rtlCol="0">
+              <a:spAutoFit/>
+            </a:bodyPr>
+            <a:lstStyle/>
+            <a:p>
+              <a:r>
+                <a:rPr lang="ko-KR" altLang="en-US" sz="2000" dirty="0"/>
+                <a:t>상수</a:t>
+              </a:r>
+            </a:p>
+          </p:txBody>
+        </p:sp>
+      </p:grpSp>
     </p:spTree>
     <p:extLst>
       <p:ext uri="{BB962C8B-B14F-4D97-AF65-F5344CB8AC3E}">
